--- a/Documentation/pointgroups.pptx
+++ b/Documentation/pointgroups.pptx
@@ -9156,7 +9156,7 @@
         <p:spPr>
           <a:xfrm>
             <a:off x="2073314" y="5493376"/>
-            <a:ext cx="8045373" cy="742279"/>
+            <a:ext cx="8683355" cy="742279"/>
           </a:xfrm>
         </p:spPr>
         <p:txBody>
@@ -9166,12 +9166,12 @@
           <a:lstStyle/>
           <a:p>
             <a:r>
-              <a:rPr lang="en-US" sz="1800">
+              <a:rPr lang="en-US" sz="1800" dirty="0">
                 <a:solidFill>
                   <a:srgbClr val="2A1A00"/>
                 </a:solidFill>
               </a:rPr>
-              <a:t>Patrick, Alex, Katherine</a:t>
+              <a:t>Patrick Nucci, Alex McMahon, Kat Sullivan</a:t>
             </a:r>
           </a:p>
         </p:txBody>
@@ -9967,8 +9967,8 @@
         </p:blipFill>
         <p:spPr>
           <a:xfrm>
-            <a:off x="283464" y="1056132"/>
-            <a:ext cx="7192981" cy="3992104"/>
+            <a:off x="283464" y="0"/>
+            <a:ext cx="6682601" cy="3708843"/>
           </a:xfrm>
           <a:prstGeom prst="rect">
             <a:avLst/>
@@ -10021,6 +10021,36 @@
           </a:p>
         </p:txBody>
       </p:sp>
+      <p:pic>
+        <p:nvPicPr>
+          <p:cNvPr id="5" name="Picture 4">
+            <a:extLst>
+              <a:ext uri="{FF2B5EF4-FFF2-40B4-BE49-F238E27FC236}">
+                <a16:creationId xmlns:a16="http://schemas.microsoft.com/office/drawing/2014/main" id="{5DE935ED-D730-4094-93D3-544BB3F81AB4}"/>
+              </a:ext>
+            </a:extLst>
+          </p:cNvPr>
+          <p:cNvPicPr>
+            <a:picLocks noChangeAspect="1"/>
+          </p:cNvPicPr>
+          <p:nvPr/>
+        </p:nvPicPr>
+        <p:blipFill>
+          <a:blip r:embed="rId3"/>
+          <a:stretch>
+            <a:fillRect/>
+          </a:stretch>
+        </p:blipFill>
+        <p:spPr>
+          <a:xfrm>
+            <a:off x="432261" y="3321236"/>
+            <a:ext cx="6354403" cy="3294133"/>
+          </a:xfrm>
+          <a:prstGeom prst="rect">
+            <a:avLst/>
+          </a:prstGeom>
+        </p:spPr>
+      </p:pic>
     </p:spTree>
     <p:extLst>
       <p:ext uri="{BB962C8B-B14F-4D97-AF65-F5344CB8AC3E}">
@@ -10102,31 +10132,26 @@
           <a:p>
             <a:r>
               <a:rPr lang="en-US" dirty="0"/>
-              <a:t>In source</a:t>
+              <a:t>User friendly</a:t>
             </a:r>
           </a:p>
           <a:p>
             <a:r>
               <a:rPr lang="en-US" dirty="0"/>
-              <a:t>User friendly</a:t>
+              <a:t>Student complaints can be handled easier and faster</a:t>
             </a:r>
           </a:p>
           <a:p>
             <a:r>
               <a:rPr lang="en-US" dirty="0"/>
-              <a:t>Students won’t always complain about it</a:t>
+              <a:t>Can always be updated more often and more quickly add features</a:t>
             </a:r>
           </a:p>
           <a:p>
             <a:r>
               <a:rPr lang="en-US" dirty="0"/>
-              <a:t>Can always </a:t>
+              <a:t>Open Source</a:t>
             </a:r>
-            <a:r>
-              <a:rPr lang="en-US"/>
-              <a:t>be updated.</a:t>
-            </a:r>
-            <a:endParaRPr lang="en-US" dirty="0"/>
           </a:p>
         </p:txBody>
       </p:sp>
@@ -10211,13 +10236,7 @@
           <a:p>
             <a:r>
               <a:rPr lang="en-US" dirty="0"/>
-              <a:t>Login with point park credentials</a:t>
-            </a:r>
-          </a:p>
-          <a:p>
-            <a:r>
-              <a:rPr lang="en-US" dirty="0"/>
-              <a:t>Or create an account</a:t>
+              <a:t>Login with point park credentials or create an account*</a:t>
             </a:r>
           </a:p>
           <a:p>
@@ -10230,6 +10249,15 @@
             <a:r>
               <a:rPr lang="en-US" dirty="0"/>
               <a:t>Create events </a:t>
+            </a:r>
+          </a:p>
+          <a:p>
+            <a:endParaRPr lang="en-US" dirty="0"/>
+          </a:p>
+          <a:p>
+            <a:r>
+              <a:rPr lang="en-US" dirty="0"/>
+              <a:t>*future feature</a:t>
             </a:r>
           </a:p>
         </p:txBody>
